--- a/Lecture 2/Lecture 2  Exception Handling  Collection Framework.pptx
+++ b/Lecture 2/Lecture 2  Exception Handling  Collection Framework.pptx
@@ -5,7 +5,7 @@
     <p:sldMasterId id="2147483659" r:id="rId1"/>
   </p:sldMasterIdLst>
   <p:notesMasterIdLst>
-    <p:notesMasterId r:id="rId20"/>
+    <p:notesMasterId r:id="rId21"/>
   </p:notesMasterIdLst>
   <p:sldIdLst>
     <p:sldId id="256" r:id="rId2"/>
@@ -24,37 +24,38 @@
     <p:sldId id="268" r:id="rId15"/>
     <p:sldId id="269" r:id="rId16"/>
     <p:sldId id="270" r:id="rId17"/>
-    <p:sldId id="271" r:id="rId18"/>
-    <p:sldId id="272" r:id="rId19"/>
+    <p:sldId id="274" r:id="rId18"/>
+    <p:sldId id="271" r:id="rId19"/>
+    <p:sldId id="272" r:id="rId20"/>
   </p:sldIdLst>
   <p:sldSz cx="9144000" cy="5143500" type="screen16x9"/>
   <p:notesSz cx="6858000" cy="9144000"/>
   <p:embeddedFontLst>
     <p:embeddedFont>
       <p:font typeface="Nunito" pitchFamily="2" charset="0"/>
-      <p:regular r:id="rId21"/>
-      <p:bold r:id="rId22"/>
-      <p:italic r:id="rId23"/>
-      <p:boldItalic r:id="rId24"/>
+      <p:regular r:id="rId22"/>
+      <p:bold r:id="rId23"/>
+      <p:italic r:id="rId24"/>
+      <p:boldItalic r:id="rId25"/>
     </p:embeddedFont>
     <p:embeddedFont>
       <p:font typeface="Raleway" pitchFamily="2" charset="0"/>
-      <p:regular r:id="rId25"/>
-      <p:bold r:id="rId26"/>
-      <p:italic r:id="rId27"/>
-      <p:boldItalic r:id="rId28"/>
+      <p:regular r:id="rId26"/>
+      <p:bold r:id="rId27"/>
+      <p:italic r:id="rId28"/>
+      <p:boldItalic r:id="rId29"/>
     </p:embeddedFont>
     <p:embeddedFont>
       <p:font typeface="Roboto" panose="02000000000000000000" pitchFamily="2" charset="0"/>
-      <p:regular r:id="rId29"/>
-      <p:bold r:id="rId30"/>
-      <p:italic r:id="rId31"/>
-      <p:boldItalic r:id="rId32"/>
+      <p:regular r:id="rId30"/>
+      <p:bold r:id="rId31"/>
+      <p:italic r:id="rId32"/>
+      <p:boldItalic r:id="rId33"/>
     </p:embeddedFont>
     <p:embeddedFont>
       <p:font typeface="Source Sans Pro" panose="020B0503030403020204" pitchFamily="34" charset="0"/>
-      <p:regular r:id="rId33"/>
-      <p:bold r:id="rId34"/>
+      <p:regular r:id="rId34"/>
+      <p:bold r:id="rId35"/>
     </p:embeddedFont>
   </p:embeddedFontLst>
   <p:defaultTextStyle>
@@ -9510,55 +9511,107 @@
           <a:lstStyle/>
           <a:p>
             <a:r>
-              <a:rPr lang="en-US" dirty="0"/>
+              <a:rPr lang="en-US" dirty="0">
+                <a:solidFill>
+                  <a:schemeClr val="bg2"/>
+                </a:solidFill>
+              </a:rPr>
               <a:t>Create </a:t>
             </a:r>
             <a:r>
-              <a:rPr lang="en-US" dirty="0" err="1"/>
+              <a:rPr lang="en-US" dirty="0" err="1">
+                <a:solidFill>
+                  <a:schemeClr val="bg2"/>
+                </a:solidFill>
+              </a:rPr>
               <a:t>CustomException</a:t>
             </a:r>
             <a:r>
-              <a:rPr lang="en-US" dirty="0"/>
+              <a:rPr lang="en-US" dirty="0">
+                <a:solidFill>
+                  <a:schemeClr val="bg2"/>
+                </a:solidFill>
+              </a:rPr>
               <a:t> Class</a:t>
             </a:r>
           </a:p>
           <a:p>
-            <a:endParaRPr lang="en-US" dirty="0"/>
-          </a:p>
-          <a:p>
-            <a:r>
-              <a:rPr lang="en-US" dirty="0"/>
+            <a:endParaRPr lang="en-US" dirty="0">
+              <a:solidFill>
+                <a:schemeClr val="bg2"/>
+              </a:solidFill>
+            </a:endParaRPr>
+          </a:p>
+          <a:p>
+            <a:r>
+              <a:rPr lang="en-US" dirty="0">
+                <a:solidFill>
+                  <a:schemeClr val="bg2"/>
+                </a:solidFill>
+              </a:rPr>
               <a:t>Extend Exception Class</a:t>
             </a:r>
           </a:p>
           <a:p>
-            <a:endParaRPr lang="en-US" dirty="0"/>
-          </a:p>
-          <a:p>
-            <a:r>
-              <a:rPr lang="en-US" dirty="0"/>
+            <a:endParaRPr lang="en-US" dirty="0">
+              <a:solidFill>
+                <a:schemeClr val="bg2"/>
+              </a:solidFill>
+            </a:endParaRPr>
+          </a:p>
+          <a:p>
+            <a:r>
+              <a:rPr lang="en-US" dirty="0">
+                <a:solidFill>
+                  <a:schemeClr val="bg2"/>
+                </a:solidFill>
+              </a:rPr>
               <a:t>Use </a:t>
             </a:r>
             <a:r>
-              <a:rPr lang="en-US" b="1" dirty="0"/>
+              <a:rPr lang="en-US" b="1" dirty="0">
+                <a:solidFill>
+                  <a:schemeClr val="bg2"/>
+                </a:solidFill>
+              </a:rPr>
               <a:t>throw </a:t>
             </a:r>
             <a:r>
-              <a:rPr lang="en-US" dirty="0"/>
+              <a:rPr lang="en-US" dirty="0">
+                <a:solidFill>
+                  <a:schemeClr val="bg2"/>
+                </a:solidFill>
+              </a:rPr>
               <a:t>keyword to raise an exception</a:t>
             </a:r>
           </a:p>
           <a:p>
-            <a:endParaRPr lang="en-US"/>
-          </a:p>
-          <a:p>
-            <a:endParaRPr lang="en-US" dirty="0"/>
-          </a:p>
-          <a:p>
-            <a:endParaRPr lang="en-US" dirty="0"/>
-          </a:p>
-          <a:p>
-            <a:endParaRPr lang="en-US" dirty="0"/>
+            <a:endParaRPr lang="en-US" dirty="0">
+              <a:solidFill>
+                <a:schemeClr val="bg2"/>
+              </a:solidFill>
+            </a:endParaRPr>
+          </a:p>
+          <a:p>
+            <a:endParaRPr lang="en-US" dirty="0">
+              <a:solidFill>
+                <a:schemeClr val="bg2"/>
+              </a:solidFill>
+            </a:endParaRPr>
+          </a:p>
+          <a:p>
+            <a:endParaRPr lang="en-US" dirty="0">
+              <a:solidFill>
+                <a:schemeClr val="bg2"/>
+              </a:solidFill>
+            </a:endParaRPr>
+          </a:p>
+          <a:p>
+            <a:endParaRPr lang="en-US" dirty="0">
+              <a:solidFill>
+                <a:schemeClr val="bg2"/>
+              </a:solidFill>
+            </a:endParaRPr>
           </a:p>
         </p:txBody>
       </p:sp>
@@ -10272,6 +10325,230 @@
   <p:cSld>
     <p:spTree>
       <p:nvGrpSpPr>
+        <p:cNvPr id="1" name=""/>
+        <p:cNvGrpSpPr/>
+        <p:nvPr/>
+      </p:nvGrpSpPr>
+      <p:grpSpPr>
+        <a:xfrm>
+          <a:off x="0" y="0"/>
+          <a:ext cx="0" cy="0"/>
+          <a:chOff x="0" y="0"/>
+          <a:chExt cx="0" cy="0"/>
+        </a:xfrm>
+      </p:grpSpPr>
+      <p:sp>
+        <p:nvSpPr>
+          <p:cNvPr id="2" name="Title 1">
+            <a:extLst>
+              <a:ext uri="{FF2B5EF4-FFF2-40B4-BE49-F238E27FC236}">
+                <a16:creationId xmlns:a16="http://schemas.microsoft.com/office/drawing/2014/main" id="{7B3F22EA-4649-4E92-B58F-4561FCB3697D}"/>
+              </a:ext>
+            </a:extLst>
+          </p:cNvPr>
+          <p:cNvSpPr>
+            <a:spLocks noGrp="1"/>
+          </p:cNvSpPr>
+          <p:nvPr>
+            <p:ph type="title"/>
+          </p:nvPr>
+        </p:nvSpPr>
+        <p:spPr/>
+        <p:txBody>
+          <a:bodyPr/>
+          <a:lstStyle/>
+          <a:p>
+            <a:r>
+              <a:rPr lang="en-US" dirty="0"/>
+              <a:t>Classwork</a:t>
+            </a:r>
+          </a:p>
+        </p:txBody>
+      </p:sp>
+      <p:sp>
+        <p:nvSpPr>
+          <p:cNvPr id="3" name="Text Placeholder 2">
+            <a:extLst>
+              <a:ext uri="{FF2B5EF4-FFF2-40B4-BE49-F238E27FC236}">
+                <a16:creationId xmlns:a16="http://schemas.microsoft.com/office/drawing/2014/main" id="{0551E615-6E32-4159-8448-DF830B31BCC5}"/>
+              </a:ext>
+            </a:extLst>
+          </p:cNvPr>
+          <p:cNvSpPr>
+            <a:spLocks noGrp="1"/>
+          </p:cNvSpPr>
+          <p:nvPr>
+            <p:ph type="body" idx="1"/>
+          </p:nvPr>
+        </p:nvSpPr>
+        <p:spPr/>
+        <p:txBody>
+          <a:bodyPr/>
+          <a:lstStyle/>
+          <a:p>
+            <a:pPr marL="114300" indent="0">
+              <a:buNone/>
+            </a:pPr>
+            <a:r>
+              <a:rPr lang="en-US" dirty="0">
+                <a:solidFill>
+                  <a:schemeClr val="bg2"/>
+                </a:solidFill>
+              </a:rPr>
+              <a:t>Suppose you have to build a list of price of the Items in a super shop. The user will enter the index and your program will print the price of that item. Now Create a custom Exception Class and check if the user has entered any index which is not present. </a:t>
+            </a:r>
+          </a:p>
+          <a:p>
+            <a:pPr marL="114300" indent="0">
+              <a:buNone/>
+            </a:pPr>
+            <a:endParaRPr lang="en-US" dirty="0">
+              <a:solidFill>
+                <a:schemeClr val="bg2"/>
+              </a:solidFill>
+            </a:endParaRPr>
+          </a:p>
+          <a:p>
+            <a:pPr marL="114300" indent="0">
+              <a:buNone/>
+            </a:pPr>
+            <a:r>
+              <a:rPr lang="en-US" dirty="0">
+                <a:solidFill>
+                  <a:schemeClr val="bg2"/>
+                </a:solidFill>
+              </a:rPr>
+              <a:t>Example:</a:t>
+            </a:r>
+          </a:p>
+          <a:p>
+            <a:pPr marL="114300" indent="0">
+              <a:buNone/>
+            </a:pPr>
+            <a:r>
+              <a:rPr lang="en-US" dirty="0">
+                <a:solidFill>
+                  <a:schemeClr val="bg2"/>
+                </a:solidFill>
+              </a:rPr>
+              <a:t>{1,120,23, 11}</a:t>
+            </a:r>
+          </a:p>
+          <a:p>
+            <a:pPr marL="114300" indent="0">
+              <a:buNone/>
+            </a:pPr>
+            <a:endParaRPr lang="en-US" dirty="0">
+              <a:solidFill>
+                <a:schemeClr val="bg2"/>
+              </a:solidFill>
+            </a:endParaRPr>
+          </a:p>
+          <a:p>
+            <a:pPr marL="114300" indent="0">
+              <a:buNone/>
+            </a:pPr>
+            <a:r>
+              <a:rPr lang="en-US" dirty="0">
+                <a:solidFill>
+                  <a:schemeClr val="bg2"/>
+                </a:solidFill>
+              </a:rPr>
+              <a:t>User Input: 1</a:t>
+            </a:r>
+          </a:p>
+          <a:p>
+            <a:pPr marL="114300" indent="0">
+              <a:buNone/>
+            </a:pPr>
+            <a:r>
+              <a:rPr lang="en-US" dirty="0">
+                <a:solidFill>
+                  <a:schemeClr val="bg2"/>
+                </a:solidFill>
+              </a:rPr>
+              <a:t>Output : 120</a:t>
+            </a:r>
+          </a:p>
+        </p:txBody>
+      </p:sp>
+      <p:sp>
+        <p:nvSpPr>
+          <p:cNvPr id="5" name="TextBox 4">
+            <a:extLst>
+              <a:ext uri="{FF2B5EF4-FFF2-40B4-BE49-F238E27FC236}">
+                <a16:creationId xmlns:a16="http://schemas.microsoft.com/office/drawing/2014/main" id="{D97D202F-3123-4F40-8DDF-F1AD1F9AD678}"/>
+              </a:ext>
+            </a:extLst>
+          </p:cNvPr>
+          <p:cNvSpPr txBox="1"/>
+          <p:nvPr/>
+        </p:nvSpPr>
+        <p:spPr>
+          <a:xfrm>
+            <a:off x="2696400" y="3791990"/>
+            <a:ext cx="4572000" cy="646331"/>
+          </a:xfrm>
+          <a:prstGeom prst="rect">
+            <a:avLst/>
+          </a:prstGeom>
+          <a:noFill/>
+        </p:spPr>
+        <p:txBody>
+          <a:bodyPr wrap="square">
+            <a:spAutoFit/>
+          </a:bodyPr>
+          <a:lstStyle/>
+          <a:p>
+            <a:pPr marL="114300" indent="0">
+              <a:buNone/>
+            </a:pPr>
+            <a:r>
+              <a:rPr lang="en-US" sz="1800" dirty="0">
+                <a:solidFill>
+                  <a:schemeClr val="bg2"/>
+                </a:solidFill>
+                <a:latin typeface="Source Sans Pro" panose="020B0503030403020204" pitchFamily="34" charset="0"/>
+                <a:ea typeface="Source Sans Pro" panose="020B0503030403020204" pitchFamily="34" charset="0"/>
+              </a:rPr>
+              <a:t>User Input: 10</a:t>
+            </a:r>
+          </a:p>
+          <a:p>
+            <a:pPr marL="114300" indent="0">
+              <a:buNone/>
+            </a:pPr>
+            <a:r>
+              <a:rPr lang="en-US" sz="1800" dirty="0">
+                <a:solidFill>
+                  <a:schemeClr val="bg2"/>
+                </a:solidFill>
+                <a:latin typeface="Source Sans Pro" panose="020B0503030403020204" pitchFamily="34" charset="0"/>
+                <a:ea typeface="Source Sans Pro" panose="020B0503030403020204" pitchFamily="34" charset="0"/>
+              </a:rPr>
+              <a:t>Output : Exception: WRONG INDEX</a:t>
+            </a:r>
+          </a:p>
+        </p:txBody>
+      </p:sp>
+    </p:spTree>
+    <p:extLst>
+      <p:ext uri="{BB962C8B-B14F-4D97-AF65-F5344CB8AC3E}">
+        <p14:creationId xmlns:p14="http://schemas.microsoft.com/office/powerpoint/2010/main" val="2244571217"/>
+      </p:ext>
+    </p:extLst>
+  </p:cSld>
+  <p:clrMapOvr>
+    <a:masterClrMapping/>
+  </p:clrMapOvr>
+</p:sld>
+</file>
+
+<file path=ppt/slides/slide18.xml><?xml version="1.0" encoding="utf-8"?>
+<p:sld xmlns:a="http://schemas.openxmlformats.org/drawingml/2006/main" xmlns:r="http://schemas.openxmlformats.org/officeDocument/2006/relationships" xmlns:p="http://schemas.openxmlformats.org/presentationml/2006/main">
+  <p:cSld>
+    <p:spTree>
+      <p:nvGrpSpPr>
         <p:cNvPr id="1" name="Shape 149"/>
         <p:cNvGrpSpPr/>
         <p:nvPr/>
@@ -10450,7 +10727,7 @@
 </p:sld>
 </file>
 
-<file path=ppt/slides/slide18.xml><?xml version="1.0" encoding="utf-8"?>
+<file path=ppt/slides/slide19.xml><?xml version="1.0" encoding="utf-8"?>
 <p:sld xmlns:a="http://schemas.openxmlformats.org/drawingml/2006/main" xmlns:r="http://schemas.openxmlformats.org/officeDocument/2006/relationships" xmlns:p="http://schemas.openxmlformats.org/presentationml/2006/main">
   <p:cSld>
     <p:spTree>
